--- a/assets/research/teasures.pptx
+++ b/assets/research/teasures.pptx
@@ -3632,7 +3632,7 @@
         </p:nvGrpSpPr>
         <p:grpSpPr>
           <a:xfrm>
-            <a:off x="1484630" y="251460"/>
+            <a:off x="1477010" y="251460"/>
             <a:ext cx="8115300" cy="5922010"/>
             <a:chOff x="2338" y="396"/>
             <a:chExt cx="12780" cy="9326"/>
